--- a/sepsis_ppt.pptx
+++ b/sepsis_ppt.pptx
@@ -117,7 +117,7 @@
   </p:defaultTextStyle>
   <p:extLst>
     <p:ext uri="{521415D9-36F7-43E2-AB2F-B90AF26B5E84}">
-      <p14:sectionLst xmlns:p14="http://schemas.microsoft.com/office/powerpoint/2010/main">
+      <p14:sectionLst xmlns:p14="http://schemas.microsoft.com/office/powerpoint/2010/main" xmlns="">
         <p14:section name="Default Section" id="{6A50ADD2-4C04-4A0B-9140-DECF511CAC9C}">
           <p14:sldIdLst>
             <p14:sldId id="256"/>
@@ -162,7 +162,7 @@
           <p:cNvPr id="2" name="Title 1">
             <a:extLst>
               <a:ext uri="{FF2B5EF4-FFF2-40B4-BE49-F238E27FC236}">
-                <a16:creationId xmlns:a16="http://schemas.microsoft.com/office/drawing/2014/main" id="{D25BB73C-395D-4676-87AD-987F91A98A9B}"/>
+                <a16:creationId xmlns:a16="http://schemas.microsoft.com/office/drawing/2014/main" xmlns="" id="{D25BB73C-395D-4676-87AD-987F91A98A9B}"/>
               </a:ext>
             </a:extLst>
           </p:cNvPr>
@@ -200,7 +200,7 @@
           <p:cNvPr id="3" name="Subtitle 2">
             <a:extLst>
               <a:ext uri="{FF2B5EF4-FFF2-40B4-BE49-F238E27FC236}">
-                <a16:creationId xmlns:a16="http://schemas.microsoft.com/office/drawing/2014/main" id="{E27874CB-C29E-4A6C-B9EE-5FD64632BC42}"/>
+                <a16:creationId xmlns:a16="http://schemas.microsoft.com/office/drawing/2014/main" xmlns="" id="{E27874CB-C29E-4A6C-B9EE-5FD64632BC42}"/>
               </a:ext>
             </a:extLst>
           </p:cNvPr>
@@ -271,7 +271,7 @@
           <p:cNvPr id="4" name="Date Placeholder 3">
             <a:extLst>
               <a:ext uri="{FF2B5EF4-FFF2-40B4-BE49-F238E27FC236}">
-                <a16:creationId xmlns:a16="http://schemas.microsoft.com/office/drawing/2014/main" id="{E9DF63AD-9227-4242-9221-4E77BF8F8A3F}"/>
+                <a16:creationId xmlns:a16="http://schemas.microsoft.com/office/drawing/2014/main" xmlns="" id="{E9DF63AD-9227-4242-9221-4E77BF8F8A3F}"/>
               </a:ext>
             </a:extLst>
           </p:cNvPr>
@@ -289,6 +289,7 @@
           <a:p>
             <a:fld id="{C61FFC8E-835A-40E7-98E3-BD7F55FCB505}" type="datetimeFigureOut">
               <a:rPr lang="en-IN" smtClean="0"/>
+              <a:pPr/>
               <a:t>06-02-2020</a:t>
             </a:fld>
             <a:endParaRPr lang="en-IN"/>
@@ -300,7 +301,7 @@
           <p:cNvPr id="5" name="Footer Placeholder 4">
             <a:extLst>
               <a:ext uri="{FF2B5EF4-FFF2-40B4-BE49-F238E27FC236}">
-                <a16:creationId xmlns:a16="http://schemas.microsoft.com/office/drawing/2014/main" id="{34F57F09-2865-41C4-948C-A86EA2A68EA0}"/>
+                <a16:creationId xmlns:a16="http://schemas.microsoft.com/office/drawing/2014/main" xmlns="" id="{34F57F09-2865-41C4-948C-A86EA2A68EA0}"/>
               </a:ext>
             </a:extLst>
           </p:cNvPr>
@@ -325,7 +326,7 @@
           <p:cNvPr id="6" name="Slide Number Placeholder 5">
             <a:extLst>
               <a:ext uri="{FF2B5EF4-FFF2-40B4-BE49-F238E27FC236}">
-                <a16:creationId xmlns:a16="http://schemas.microsoft.com/office/drawing/2014/main" id="{0FCDA23A-37B4-4249-8E3E-7D906613398B}"/>
+                <a16:creationId xmlns:a16="http://schemas.microsoft.com/office/drawing/2014/main" xmlns="" id="{0FCDA23A-37B4-4249-8E3E-7D906613398B}"/>
               </a:ext>
             </a:extLst>
           </p:cNvPr>
@@ -343,6 +344,7 @@
           <a:p>
             <a:fld id="{4A249635-2109-428E-9AE9-8936D02A23C4}" type="slidenum">
               <a:rPr lang="en-IN" smtClean="0"/>
+              <a:pPr/>
               <a:t>‹#›</a:t>
             </a:fld>
             <a:endParaRPr lang="en-IN"/>
@@ -352,7 +354,7 @@
     </p:spTree>
     <p:extLst>
       <p:ext uri="{BB962C8B-B14F-4D97-AF65-F5344CB8AC3E}">
-        <p14:creationId xmlns:p14="http://schemas.microsoft.com/office/powerpoint/2010/main" val="3397685932"/>
+        <p14:creationId xmlns:p14="http://schemas.microsoft.com/office/powerpoint/2010/main" xmlns="" val="3397685932"/>
       </p:ext>
     </p:extLst>
   </p:cSld>
@@ -384,7 +386,7 @@
           <p:cNvPr id="2" name="Title 1">
             <a:extLst>
               <a:ext uri="{FF2B5EF4-FFF2-40B4-BE49-F238E27FC236}">
-                <a16:creationId xmlns:a16="http://schemas.microsoft.com/office/drawing/2014/main" id="{3C9C8980-7760-4D3F-9ED6-9356A3029FA3}"/>
+                <a16:creationId xmlns:a16="http://schemas.microsoft.com/office/drawing/2014/main" xmlns="" id="{3C9C8980-7760-4D3F-9ED6-9356A3029FA3}"/>
               </a:ext>
             </a:extLst>
           </p:cNvPr>
@@ -413,7 +415,7 @@
           <p:cNvPr id="3" name="Vertical Text Placeholder 2">
             <a:extLst>
               <a:ext uri="{FF2B5EF4-FFF2-40B4-BE49-F238E27FC236}">
-                <a16:creationId xmlns:a16="http://schemas.microsoft.com/office/drawing/2014/main" id="{2460B0FF-FAB8-496F-94B4-45028444AA34}"/>
+                <a16:creationId xmlns:a16="http://schemas.microsoft.com/office/drawing/2014/main" xmlns="" id="{2460B0FF-FAB8-496F-94B4-45028444AA34}"/>
               </a:ext>
             </a:extLst>
           </p:cNvPr>
@@ -471,7 +473,7 @@
           <p:cNvPr id="4" name="Date Placeholder 3">
             <a:extLst>
               <a:ext uri="{FF2B5EF4-FFF2-40B4-BE49-F238E27FC236}">
-                <a16:creationId xmlns:a16="http://schemas.microsoft.com/office/drawing/2014/main" id="{C9A7578D-3991-4FB8-9D55-483D6F902F8D}"/>
+                <a16:creationId xmlns:a16="http://schemas.microsoft.com/office/drawing/2014/main" xmlns="" id="{C9A7578D-3991-4FB8-9D55-483D6F902F8D}"/>
               </a:ext>
             </a:extLst>
           </p:cNvPr>
@@ -489,6 +491,7 @@
           <a:p>
             <a:fld id="{C61FFC8E-835A-40E7-98E3-BD7F55FCB505}" type="datetimeFigureOut">
               <a:rPr lang="en-IN" smtClean="0"/>
+              <a:pPr/>
               <a:t>06-02-2020</a:t>
             </a:fld>
             <a:endParaRPr lang="en-IN"/>
@@ -500,7 +503,7 @@
           <p:cNvPr id="5" name="Footer Placeholder 4">
             <a:extLst>
               <a:ext uri="{FF2B5EF4-FFF2-40B4-BE49-F238E27FC236}">
-                <a16:creationId xmlns:a16="http://schemas.microsoft.com/office/drawing/2014/main" id="{4943EF4D-3486-49D4-8E6D-F1617DD3B24D}"/>
+                <a16:creationId xmlns:a16="http://schemas.microsoft.com/office/drawing/2014/main" xmlns="" id="{4943EF4D-3486-49D4-8E6D-F1617DD3B24D}"/>
               </a:ext>
             </a:extLst>
           </p:cNvPr>
@@ -525,7 +528,7 @@
           <p:cNvPr id="6" name="Slide Number Placeholder 5">
             <a:extLst>
               <a:ext uri="{FF2B5EF4-FFF2-40B4-BE49-F238E27FC236}">
-                <a16:creationId xmlns:a16="http://schemas.microsoft.com/office/drawing/2014/main" id="{DA5A8918-D182-46D2-AE1A-8B28B0F1CFCD}"/>
+                <a16:creationId xmlns:a16="http://schemas.microsoft.com/office/drawing/2014/main" xmlns="" id="{DA5A8918-D182-46D2-AE1A-8B28B0F1CFCD}"/>
               </a:ext>
             </a:extLst>
           </p:cNvPr>
@@ -543,6 +546,7 @@
           <a:p>
             <a:fld id="{4A249635-2109-428E-9AE9-8936D02A23C4}" type="slidenum">
               <a:rPr lang="en-IN" smtClean="0"/>
+              <a:pPr/>
               <a:t>‹#›</a:t>
             </a:fld>
             <a:endParaRPr lang="en-IN"/>
@@ -552,7 +556,7 @@
     </p:spTree>
     <p:extLst>
       <p:ext uri="{BB962C8B-B14F-4D97-AF65-F5344CB8AC3E}">
-        <p14:creationId xmlns:p14="http://schemas.microsoft.com/office/powerpoint/2010/main" val="4212558725"/>
+        <p14:creationId xmlns:p14="http://schemas.microsoft.com/office/powerpoint/2010/main" xmlns="" val="4212558725"/>
       </p:ext>
     </p:extLst>
   </p:cSld>
@@ -584,7 +588,7 @@
           <p:cNvPr id="2" name="Vertical Title 1">
             <a:extLst>
               <a:ext uri="{FF2B5EF4-FFF2-40B4-BE49-F238E27FC236}">
-                <a16:creationId xmlns:a16="http://schemas.microsoft.com/office/drawing/2014/main" id="{B4AB7DDD-AACA-4AE1-B703-25648C53D059}"/>
+                <a16:creationId xmlns:a16="http://schemas.microsoft.com/office/drawing/2014/main" xmlns="" id="{B4AB7DDD-AACA-4AE1-B703-25648C53D059}"/>
               </a:ext>
             </a:extLst>
           </p:cNvPr>
@@ -618,7 +622,7 @@
           <p:cNvPr id="3" name="Vertical Text Placeholder 2">
             <a:extLst>
               <a:ext uri="{FF2B5EF4-FFF2-40B4-BE49-F238E27FC236}">
-                <a16:creationId xmlns:a16="http://schemas.microsoft.com/office/drawing/2014/main" id="{543E7A25-7727-489D-A666-D4CD45D55E98}"/>
+                <a16:creationId xmlns:a16="http://schemas.microsoft.com/office/drawing/2014/main" xmlns="" id="{543E7A25-7727-489D-A666-D4CD45D55E98}"/>
               </a:ext>
             </a:extLst>
           </p:cNvPr>
@@ -681,7 +685,7 @@
           <p:cNvPr id="4" name="Date Placeholder 3">
             <a:extLst>
               <a:ext uri="{FF2B5EF4-FFF2-40B4-BE49-F238E27FC236}">
-                <a16:creationId xmlns:a16="http://schemas.microsoft.com/office/drawing/2014/main" id="{FE3ECA04-0A83-489B-AB6D-BA161DF69514}"/>
+                <a16:creationId xmlns:a16="http://schemas.microsoft.com/office/drawing/2014/main" xmlns="" id="{FE3ECA04-0A83-489B-AB6D-BA161DF69514}"/>
               </a:ext>
             </a:extLst>
           </p:cNvPr>
@@ -699,6 +703,7 @@
           <a:p>
             <a:fld id="{C61FFC8E-835A-40E7-98E3-BD7F55FCB505}" type="datetimeFigureOut">
               <a:rPr lang="en-IN" smtClean="0"/>
+              <a:pPr/>
               <a:t>06-02-2020</a:t>
             </a:fld>
             <a:endParaRPr lang="en-IN"/>
@@ -710,7 +715,7 @@
           <p:cNvPr id="5" name="Footer Placeholder 4">
             <a:extLst>
               <a:ext uri="{FF2B5EF4-FFF2-40B4-BE49-F238E27FC236}">
-                <a16:creationId xmlns:a16="http://schemas.microsoft.com/office/drawing/2014/main" id="{CCE7B58C-55C9-45C2-ACBB-36938800B380}"/>
+                <a16:creationId xmlns:a16="http://schemas.microsoft.com/office/drawing/2014/main" xmlns="" id="{CCE7B58C-55C9-45C2-ACBB-36938800B380}"/>
               </a:ext>
             </a:extLst>
           </p:cNvPr>
@@ -735,7 +740,7 @@
           <p:cNvPr id="6" name="Slide Number Placeholder 5">
             <a:extLst>
               <a:ext uri="{FF2B5EF4-FFF2-40B4-BE49-F238E27FC236}">
-                <a16:creationId xmlns:a16="http://schemas.microsoft.com/office/drawing/2014/main" id="{33A4BDE7-920A-406D-90CD-DCB2A177EAD5}"/>
+                <a16:creationId xmlns:a16="http://schemas.microsoft.com/office/drawing/2014/main" xmlns="" id="{33A4BDE7-920A-406D-90CD-DCB2A177EAD5}"/>
               </a:ext>
             </a:extLst>
           </p:cNvPr>
@@ -753,6 +758,7 @@
           <a:p>
             <a:fld id="{4A249635-2109-428E-9AE9-8936D02A23C4}" type="slidenum">
               <a:rPr lang="en-IN" smtClean="0"/>
+              <a:pPr/>
               <a:t>‹#›</a:t>
             </a:fld>
             <a:endParaRPr lang="en-IN"/>
@@ -762,7 +768,7 @@
     </p:spTree>
     <p:extLst>
       <p:ext uri="{BB962C8B-B14F-4D97-AF65-F5344CB8AC3E}">
-        <p14:creationId xmlns:p14="http://schemas.microsoft.com/office/powerpoint/2010/main" val="365928996"/>
+        <p14:creationId xmlns:p14="http://schemas.microsoft.com/office/powerpoint/2010/main" xmlns="" val="365928996"/>
       </p:ext>
     </p:extLst>
   </p:cSld>
@@ -794,7 +800,7 @@
           <p:cNvPr id="2" name="Title 1">
             <a:extLst>
               <a:ext uri="{FF2B5EF4-FFF2-40B4-BE49-F238E27FC236}">
-                <a16:creationId xmlns:a16="http://schemas.microsoft.com/office/drawing/2014/main" id="{AAA7438E-1464-457D-A2D7-9719D83AF864}"/>
+                <a16:creationId xmlns:a16="http://schemas.microsoft.com/office/drawing/2014/main" xmlns="" id="{AAA7438E-1464-457D-A2D7-9719D83AF864}"/>
               </a:ext>
             </a:extLst>
           </p:cNvPr>
@@ -823,7 +829,7 @@
           <p:cNvPr id="3" name="Content Placeholder 2">
             <a:extLst>
               <a:ext uri="{FF2B5EF4-FFF2-40B4-BE49-F238E27FC236}">
-                <a16:creationId xmlns:a16="http://schemas.microsoft.com/office/drawing/2014/main" id="{1EEA77C0-FFC8-4280-8E5D-EA0A19599B53}"/>
+                <a16:creationId xmlns:a16="http://schemas.microsoft.com/office/drawing/2014/main" xmlns="" id="{1EEA77C0-FFC8-4280-8E5D-EA0A19599B53}"/>
               </a:ext>
             </a:extLst>
           </p:cNvPr>
@@ -881,7 +887,7 @@
           <p:cNvPr id="4" name="Date Placeholder 3">
             <a:extLst>
               <a:ext uri="{FF2B5EF4-FFF2-40B4-BE49-F238E27FC236}">
-                <a16:creationId xmlns:a16="http://schemas.microsoft.com/office/drawing/2014/main" id="{85B2E83E-08BB-4FD8-87C0-2958ADE5A1B4}"/>
+                <a16:creationId xmlns:a16="http://schemas.microsoft.com/office/drawing/2014/main" xmlns="" id="{85B2E83E-08BB-4FD8-87C0-2958ADE5A1B4}"/>
               </a:ext>
             </a:extLst>
           </p:cNvPr>
@@ -899,6 +905,7 @@
           <a:p>
             <a:fld id="{C61FFC8E-835A-40E7-98E3-BD7F55FCB505}" type="datetimeFigureOut">
               <a:rPr lang="en-IN" smtClean="0"/>
+              <a:pPr/>
               <a:t>06-02-2020</a:t>
             </a:fld>
             <a:endParaRPr lang="en-IN"/>
@@ -910,7 +917,7 @@
           <p:cNvPr id="5" name="Footer Placeholder 4">
             <a:extLst>
               <a:ext uri="{FF2B5EF4-FFF2-40B4-BE49-F238E27FC236}">
-                <a16:creationId xmlns:a16="http://schemas.microsoft.com/office/drawing/2014/main" id="{DFE956ED-72AE-4303-AD1F-305388E07C6A}"/>
+                <a16:creationId xmlns:a16="http://schemas.microsoft.com/office/drawing/2014/main" xmlns="" id="{DFE956ED-72AE-4303-AD1F-305388E07C6A}"/>
               </a:ext>
             </a:extLst>
           </p:cNvPr>
@@ -935,7 +942,7 @@
           <p:cNvPr id="6" name="Slide Number Placeholder 5">
             <a:extLst>
               <a:ext uri="{FF2B5EF4-FFF2-40B4-BE49-F238E27FC236}">
-                <a16:creationId xmlns:a16="http://schemas.microsoft.com/office/drawing/2014/main" id="{6190FAF4-EAA2-4D8D-A131-8A12ACA1C745}"/>
+                <a16:creationId xmlns:a16="http://schemas.microsoft.com/office/drawing/2014/main" xmlns="" id="{6190FAF4-EAA2-4D8D-A131-8A12ACA1C745}"/>
               </a:ext>
             </a:extLst>
           </p:cNvPr>
@@ -953,6 +960,7 @@
           <a:p>
             <a:fld id="{4A249635-2109-428E-9AE9-8936D02A23C4}" type="slidenum">
               <a:rPr lang="en-IN" smtClean="0"/>
+              <a:pPr/>
               <a:t>‹#›</a:t>
             </a:fld>
             <a:endParaRPr lang="en-IN"/>
@@ -962,7 +970,7 @@
     </p:spTree>
     <p:extLst>
       <p:ext uri="{BB962C8B-B14F-4D97-AF65-F5344CB8AC3E}">
-        <p14:creationId xmlns:p14="http://schemas.microsoft.com/office/powerpoint/2010/main" val="2576956893"/>
+        <p14:creationId xmlns:p14="http://schemas.microsoft.com/office/powerpoint/2010/main" xmlns="" val="2576956893"/>
       </p:ext>
     </p:extLst>
   </p:cSld>
@@ -994,7 +1002,7 @@
           <p:cNvPr id="2" name="Title 1">
             <a:extLst>
               <a:ext uri="{FF2B5EF4-FFF2-40B4-BE49-F238E27FC236}">
-                <a16:creationId xmlns:a16="http://schemas.microsoft.com/office/drawing/2014/main" id="{41E1CEF8-0537-4D97-8678-50D935F287B6}"/>
+                <a16:creationId xmlns:a16="http://schemas.microsoft.com/office/drawing/2014/main" xmlns="" id="{41E1CEF8-0537-4D97-8678-50D935F287B6}"/>
               </a:ext>
             </a:extLst>
           </p:cNvPr>
@@ -1032,7 +1040,7 @@
           <p:cNvPr id="3" name="Text Placeholder 2">
             <a:extLst>
               <a:ext uri="{FF2B5EF4-FFF2-40B4-BE49-F238E27FC236}">
-                <a16:creationId xmlns:a16="http://schemas.microsoft.com/office/drawing/2014/main" id="{1D65BDF8-F604-4BD0-98F2-17DCF4ED3768}"/>
+                <a16:creationId xmlns:a16="http://schemas.microsoft.com/office/drawing/2014/main" xmlns="" id="{1D65BDF8-F604-4BD0-98F2-17DCF4ED3768}"/>
               </a:ext>
             </a:extLst>
           </p:cNvPr>
@@ -1157,7 +1165,7 @@
           <p:cNvPr id="4" name="Date Placeholder 3">
             <a:extLst>
               <a:ext uri="{FF2B5EF4-FFF2-40B4-BE49-F238E27FC236}">
-                <a16:creationId xmlns:a16="http://schemas.microsoft.com/office/drawing/2014/main" id="{F1065FF1-0153-4C2F-95D8-121DD93870A9}"/>
+                <a16:creationId xmlns:a16="http://schemas.microsoft.com/office/drawing/2014/main" xmlns="" id="{F1065FF1-0153-4C2F-95D8-121DD93870A9}"/>
               </a:ext>
             </a:extLst>
           </p:cNvPr>
@@ -1175,6 +1183,7 @@
           <a:p>
             <a:fld id="{C61FFC8E-835A-40E7-98E3-BD7F55FCB505}" type="datetimeFigureOut">
               <a:rPr lang="en-IN" smtClean="0"/>
+              <a:pPr/>
               <a:t>06-02-2020</a:t>
             </a:fld>
             <a:endParaRPr lang="en-IN"/>
@@ -1186,7 +1195,7 @@
           <p:cNvPr id="5" name="Footer Placeholder 4">
             <a:extLst>
               <a:ext uri="{FF2B5EF4-FFF2-40B4-BE49-F238E27FC236}">
-                <a16:creationId xmlns:a16="http://schemas.microsoft.com/office/drawing/2014/main" id="{7728CBA5-649B-4193-97E0-4BE326E24007}"/>
+                <a16:creationId xmlns:a16="http://schemas.microsoft.com/office/drawing/2014/main" xmlns="" id="{7728CBA5-649B-4193-97E0-4BE326E24007}"/>
               </a:ext>
             </a:extLst>
           </p:cNvPr>
@@ -1211,7 +1220,7 @@
           <p:cNvPr id="6" name="Slide Number Placeholder 5">
             <a:extLst>
               <a:ext uri="{FF2B5EF4-FFF2-40B4-BE49-F238E27FC236}">
-                <a16:creationId xmlns:a16="http://schemas.microsoft.com/office/drawing/2014/main" id="{3E76DB64-7BCD-4376-BCBC-BB76F4997195}"/>
+                <a16:creationId xmlns:a16="http://schemas.microsoft.com/office/drawing/2014/main" xmlns="" id="{3E76DB64-7BCD-4376-BCBC-BB76F4997195}"/>
               </a:ext>
             </a:extLst>
           </p:cNvPr>
@@ -1229,6 +1238,7 @@
           <a:p>
             <a:fld id="{4A249635-2109-428E-9AE9-8936D02A23C4}" type="slidenum">
               <a:rPr lang="en-IN" smtClean="0"/>
+              <a:pPr/>
               <a:t>‹#›</a:t>
             </a:fld>
             <a:endParaRPr lang="en-IN"/>
@@ -1238,7 +1248,7 @@
     </p:spTree>
     <p:extLst>
       <p:ext uri="{BB962C8B-B14F-4D97-AF65-F5344CB8AC3E}">
-        <p14:creationId xmlns:p14="http://schemas.microsoft.com/office/powerpoint/2010/main" val="732453971"/>
+        <p14:creationId xmlns:p14="http://schemas.microsoft.com/office/powerpoint/2010/main" xmlns="" val="732453971"/>
       </p:ext>
     </p:extLst>
   </p:cSld>
@@ -1270,7 +1280,7 @@
           <p:cNvPr id="2" name="Title 1">
             <a:extLst>
               <a:ext uri="{FF2B5EF4-FFF2-40B4-BE49-F238E27FC236}">
-                <a16:creationId xmlns:a16="http://schemas.microsoft.com/office/drawing/2014/main" id="{E67D6FD0-1008-4C66-A26D-E918373FDE2E}"/>
+                <a16:creationId xmlns:a16="http://schemas.microsoft.com/office/drawing/2014/main" xmlns="" id="{E67D6FD0-1008-4C66-A26D-E918373FDE2E}"/>
               </a:ext>
             </a:extLst>
           </p:cNvPr>
@@ -1299,7 +1309,7 @@
           <p:cNvPr id="3" name="Content Placeholder 2">
             <a:extLst>
               <a:ext uri="{FF2B5EF4-FFF2-40B4-BE49-F238E27FC236}">
-                <a16:creationId xmlns:a16="http://schemas.microsoft.com/office/drawing/2014/main" id="{9F9AAF4A-564A-4116-AE84-876541784943}"/>
+                <a16:creationId xmlns:a16="http://schemas.microsoft.com/office/drawing/2014/main" xmlns="" id="{9F9AAF4A-564A-4116-AE84-876541784943}"/>
               </a:ext>
             </a:extLst>
           </p:cNvPr>
@@ -1362,7 +1372,7 @@
           <p:cNvPr id="4" name="Content Placeholder 3">
             <a:extLst>
               <a:ext uri="{FF2B5EF4-FFF2-40B4-BE49-F238E27FC236}">
-                <a16:creationId xmlns:a16="http://schemas.microsoft.com/office/drawing/2014/main" id="{B23B186C-63A0-41D2-B2D3-E7DEBD8FE5B7}"/>
+                <a16:creationId xmlns:a16="http://schemas.microsoft.com/office/drawing/2014/main" xmlns="" id="{B23B186C-63A0-41D2-B2D3-E7DEBD8FE5B7}"/>
               </a:ext>
             </a:extLst>
           </p:cNvPr>
@@ -1425,7 +1435,7 @@
           <p:cNvPr id="5" name="Date Placeholder 4">
             <a:extLst>
               <a:ext uri="{FF2B5EF4-FFF2-40B4-BE49-F238E27FC236}">
-                <a16:creationId xmlns:a16="http://schemas.microsoft.com/office/drawing/2014/main" id="{C2D03107-000C-4939-B622-143943436197}"/>
+                <a16:creationId xmlns:a16="http://schemas.microsoft.com/office/drawing/2014/main" xmlns="" id="{C2D03107-000C-4939-B622-143943436197}"/>
               </a:ext>
             </a:extLst>
           </p:cNvPr>
@@ -1443,6 +1453,7 @@
           <a:p>
             <a:fld id="{C61FFC8E-835A-40E7-98E3-BD7F55FCB505}" type="datetimeFigureOut">
               <a:rPr lang="en-IN" smtClean="0"/>
+              <a:pPr/>
               <a:t>06-02-2020</a:t>
             </a:fld>
             <a:endParaRPr lang="en-IN"/>
@@ -1454,7 +1465,7 @@
           <p:cNvPr id="6" name="Footer Placeholder 5">
             <a:extLst>
               <a:ext uri="{FF2B5EF4-FFF2-40B4-BE49-F238E27FC236}">
-                <a16:creationId xmlns:a16="http://schemas.microsoft.com/office/drawing/2014/main" id="{C304F3AC-2808-4C9E-A210-2D6C87BD9962}"/>
+                <a16:creationId xmlns:a16="http://schemas.microsoft.com/office/drawing/2014/main" xmlns="" id="{C304F3AC-2808-4C9E-A210-2D6C87BD9962}"/>
               </a:ext>
             </a:extLst>
           </p:cNvPr>
@@ -1479,7 +1490,7 @@
           <p:cNvPr id="7" name="Slide Number Placeholder 6">
             <a:extLst>
               <a:ext uri="{FF2B5EF4-FFF2-40B4-BE49-F238E27FC236}">
-                <a16:creationId xmlns:a16="http://schemas.microsoft.com/office/drawing/2014/main" id="{EE423C49-7B5E-4EED-A3B8-CDFB4ABEAC08}"/>
+                <a16:creationId xmlns:a16="http://schemas.microsoft.com/office/drawing/2014/main" xmlns="" id="{EE423C49-7B5E-4EED-A3B8-CDFB4ABEAC08}"/>
               </a:ext>
             </a:extLst>
           </p:cNvPr>
@@ -1497,6 +1508,7 @@
           <a:p>
             <a:fld id="{4A249635-2109-428E-9AE9-8936D02A23C4}" type="slidenum">
               <a:rPr lang="en-IN" smtClean="0"/>
+              <a:pPr/>
               <a:t>‹#›</a:t>
             </a:fld>
             <a:endParaRPr lang="en-IN"/>
@@ -1506,7 +1518,7 @@
     </p:spTree>
     <p:extLst>
       <p:ext uri="{BB962C8B-B14F-4D97-AF65-F5344CB8AC3E}">
-        <p14:creationId xmlns:p14="http://schemas.microsoft.com/office/powerpoint/2010/main" val="2431271470"/>
+        <p14:creationId xmlns:p14="http://schemas.microsoft.com/office/powerpoint/2010/main" xmlns="" val="2431271470"/>
       </p:ext>
     </p:extLst>
   </p:cSld>
@@ -1538,7 +1550,7 @@
           <p:cNvPr id="2" name="Title 1">
             <a:extLst>
               <a:ext uri="{FF2B5EF4-FFF2-40B4-BE49-F238E27FC236}">
-                <a16:creationId xmlns:a16="http://schemas.microsoft.com/office/drawing/2014/main" id="{39A640E4-14CE-4F20-8201-19125C94F657}"/>
+                <a16:creationId xmlns:a16="http://schemas.microsoft.com/office/drawing/2014/main" xmlns="" id="{39A640E4-14CE-4F20-8201-19125C94F657}"/>
               </a:ext>
             </a:extLst>
           </p:cNvPr>
@@ -1572,7 +1584,7 @@
           <p:cNvPr id="3" name="Text Placeholder 2">
             <a:extLst>
               <a:ext uri="{FF2B5EF4-FFF2-40B4-BE49-F238E27FC236}">
-                <a16:creationId xmlns:a16="http://schemas.microsoft.com/office/drawing/2014/main" id="{9580E309-C548-4F18-84FE-FB3BE3FDF7C3}"/>
+                <a16:creationId xmlns:a16="http://schemas.microsoft.com/office/drawing/2014/main" xmlns="" id="{9580E309-C548-4F18-84FE-FB3BE3FDF7C3}"/>
               </a:ext>
             </a:extLst>
           </p:cNvPr>
@@ -1643,7 +1655,7 @@
           <p:cNvPr id="4" name="Content Placeholder 3">
             <a:extLst>
               <a:ext uri="{FF2B5EF4-FFF2-40B4-BE49-F238E27FC236}">
-                <a16:creationId xmlns:a16="http://schemas.microsoft.com/office/drawing/2014/main" id="{AEAACA75-42B6-4EF2-98CE-E3E5506C539E}"/>
+                <a16:creationId xmlns:a16="http://schemas.microsoft.com/office/drawing/2014/main" xmlns="" id="{AEAACA75-42B6-4EF2-98CE-E3E5506C539E}"/>
               </a:ext>
             </a:extLst>
           </p:cNvPr>
@@ -1706,7 +1718,7 @@
           <p:cNvPr id="5" name="Text Placeholder 4">
             <a:extLst>
               <a:ext uri="{FF2B5EF4-FFF2-40B4-BE49-F238E27FC236}">
-                <a16:creationId xmlns:a16="http://schemas.microsoft.com/office/drawing/2014/main" id="{3C09B568-EE7D-4E7F-A115-4F734E5954C5}"/>
+                <a16:creationId xmlns:a16="http://schemas.microsoft.com/office/drawing/2014/main" xmlns="" id="{3C09B568-EE7D-4E7F-A115-4F734E5954C5}"/>
               </a:ext>
             </a:extLst>
           </p:cNvPr>
@@ -1777,7 +1789,7 @@
           <p:cNvPr id="6" name="Content Placeholder 5">
             <a:extLst>
               <a:ext uri="{FF2B5EF4-FFF2-40B4-BE49-F238E27FC236}">
-                <a16:creationId xmlns:a16="http://schemas.microsoft.com/office/drawing/2014/main" id="{09084A0B-F492-4884-A676-6B6A9A2A14A2}"/>
+                <a16:creationId xmlns:a16="http://schemas.microsoft.com/office/drawing/2014/main" xmlns="" id="{09084A0B-F492-4884-A676-6B6A9A2A14A2}"/>
               </a:ext>
             </a:extLst>
           </p:cNvPr>
@@ -1840,7 +1852,7 @@
           <p:cNvPr id="7" name="Date Placeholder 6">
             <a:extLst>
               <a:ext uri="{FF2B5EF4-FFF2-40B4-BE49-F238E27FC236}">
-                <a16:creationId xmlns:a16="http://schemas.microsoft.com/office/drawing/2014/main" id="{9E89184C-2269-423F-A0C1-F83C5E6503E3}"/>
+                <a16:creationId xmlns:a16="http://schemas.microsoft.com/office/drawing/2014/main" xmlns="" id="{9E89184C-2269-423F-A0C1-F83C5E6503E3}"/>
               </a:ext>
             </a:extLst>
           </p:cNvPr>
@@ -1858,6 +1870,7 @@
           <a:p>
             <a:fld id="{C61FFC8E-835A-40E7-98E3-BD7F55FCB505}" type="datetimeFigureOut">
               <a:rPr lang="en-IN" smtClean="0"/>
+              <a:pPr/>
               <a:t>06-02-2020</a:t>
             </a:fld>
             <a:endParaRPr lang="en-IN"/>
@@ -1869,7 +1882,7 @@
           <p:cNvPr id="8" name="Footer Placeholder 7">
             <a:extLst>
               <a:ext uri="{FF2B5EF4-FFF2-40B4-BE49-F238E27FC236}">
-                <a16:creationId xmlns:a16="http://schemas.microsoft.com/office/drawing/2014/main" id="{A6E20B6D-0670-4681-BE6A-E979C10633B8}"/>
+                <a16:creationId xmlns:a16="http://schemas.microsoft.com/office/drawing/2014/main" xmlns="" id="{A6E20B6D-0670-4681-BE6A-E979C10633B8}"/>
               </a:ext>
             </a:extLst>
           </p:cNvPr>
@@ -1894,7 +1907,7 @@
           <p:cNvPr id="9" name="Slide Number Placeholder 8">
             <a:extLst>
               <a:ext uri="{FF2B5EF4-FFF2-40B4-BE49-F238E27FC236}">
-                <a16:creationId xmlns:a16="http://schemas.microsoft.com/office/drawing/2014/main" id="{88C90EDD-112C-4BFB-8D87-79F3F3ED383D}"/>
+                <a16:creationId xmlns:a16="http://schemas.microsoft.com/office/drawing/2014/main" xmlns="" id="{88C90EDD-112C-4BFB-8D87-79F3F3ED383D}"/>
               </a:ext>
             </a:extLst>
           </p:cNvPr>
@@ -1912,6 +1925,7 @@
           <a:p>
             <a:fld id="{4A249635-2109-428E-9AE9-8936D02A23C4}" type="slidenum">
               <a:rPr lang="en-IN" smtClean="0"/>
+              <a:pPr/>
               <a:t>‹#›</a:t>
             </a:fld>
             <a:endParaRPr lang="en-IN"/>
@@ -1921,7 +1935,7 @@
     </p:spTree>
     <p:extLst>
       <p:ext uri="{BB962C8B-B14F-4D97-AF65-F5344CB8AC3E}">
-        <p14:creationId xmlns:p14="http://schemas.microsoft.com/office/powerpoint/2010/main" val="535031442"/>
+        <p14:creationId xmlns:p14="http://schemas.microsoft.com/office/powerpoint/2010/main" xmlns="" val="535031442"/>
       </p:ext>
     </p:extLst>
   </p:cSld>
@@ -1953,7 +1967,7 @@
           <p:cNvPr id="2" name="Title 1">
             <a:extLst>
               <a:ext uri="{FF2B5EF4-FFF2-40B4-BE49-F238E27FC236}">
-                <a16:creationId xmlns:a16="http://schemas.microsoft.com/office/drawing/2014/main" id="{43D5636C-DD33-4F66-AB72-8E3BF2A328FB}"/>
+                <a16:creationId xmlns:a16="http://schemas.microsoft.com/office/drawing/2014/main" xmlns="" id="{43D5636C-DD33-4F66-AB72-8E3BF2A328FB}"/>
               </a:ext>
             </a:extLst>
           </p:cNvPr>
@@ -1982,7 +1996,7 @@
           <p:cNvPr id="3" name="Date Placeholder 2">
             <a:extLst>
               <a:ext uri="{FF2B5EF4-FFF2-40B4-BE49-F238E27FC236}">
-                <a16:creationId xmlns:a16="http://schemas.microsoft.com/office/drawing/2014/main" id="{2816AE48-917A-46A7-8169-B462C936829E}"/>
+                <a16:creationId xmlns:a16="http://schemas.microsoft.com/office/drawing/2014/main" xmlns="" id="{2816AE48-917A-46A7-8169-B462C936829E}"/>
               </a:ext>
             </a:extLst>
           </p:cNvPr>
@@ -2000,6 +2014,7 @@
           <a:p>
             <a:fld id="{C61FFC8E-835A-40E7-98E3-BD7F55FCB505}" type="datetimeFigureOut">
               <a:rPr lang="en-IN" smtClean="0"/>
+              <a:pPr/>
               <a:t>06-02-2020</a:t>
             </a:fld>
             <a:endParaRPr lang="en-IN"/>
@@ -2011,7 +2026,7 @@
           <p:cNvPr id="4" name="Footer Placeholder 3">
             <a:extLst>
               <a:ext uri="{FF2B5EF4-FFF2-40B4-BE49-F238E27FC236}">
-                <a16:creationId xmlns:a16="http://schemas.microsoft.com/office/drawing/2014/main" id="{5F81313C-59F5-4A7C-AE4F-819987824854}"/>
+                <a16:creationId xmlns:a16="http://schemas.microsoft.com/office/drawing/2014/main" xmlns="" id="{5F81313C-59F5-4A7C-AE4F-819987824854}"/>
               </a:ext>
             </a:extLst>
           </p:cNvPr>
@@ -2036,7 +2051,7 @@
           <p:cNvPr id="5" name="Slide Number Placeholder 4">
             <a:extLst>
               <a:ext uri="{FF2B5EF4-FFF2-40B4-BE49-F238E27FC236}">
-                <a16:creationId xmlns:a16="http://schemas.microsoft.com/office/drawing/2014/main" id="{A107D614-8F02-4BE7-8CA4-321190BCDFDB}"/>
+                <a16:creationId xmlns:a16="http://schemas.microsoft.com/office/drawing/2014/main" xmlns="" id="{A107D614-8F02-4BE7-8CA4-321190BCDFDB}"/>
               </a:ext>
             </a:extLst>
           </p:cNvPr>
@@ -2054,6 +2069,7 @@
           <a:p>
             <a:fld id="{4A249635-2109-428E-9AE9-8936D02A23C4}" type="slidenum">
               <a:rPr lang="en-IN" smtClean="0"/>
+              <a:pPr/>
               <a:t>‹#›</a:t>
             </a:fld>
             <a:endParaRPr lang="en-IN"/>
@@ -2063,7 +2079,7 @@
     </p:spTree>
     <p:extLst>
       <p:ext uri="{BB962C8B-B14F-4D97-AF65-F5344CB8AC3E}">
-        <p14:creationId xmlns:p14="http://schemas.microsoft.com/office/powerpoint/2010/main" val="3011187616"/>
+        <p14:creationId xmlns:p14="http://schemas.microsoft.com/office/powerpoint/2010/main" xmlns="" val="3011187616"/>
       </p:ext>
     </p:extLst>
   </p:cSld>
@@ -2095,7 +2111,7 @@
           <p:cNvPr id="2" name="Date Placeholder 1">
             <a:extLst>
               <a:ext uri="{FF2B5EF4-FFF2-40B4-BE49-F238E27FC236}">
-                <a16:creationId xmlns:a16="http://schemas.microsoft.com/office/drawing/2014/main" id="{FCADC0CA-A45A-4E50-8351-97B742B3A94D}"/>
+                <a16:creationId xmlns:a16="http://schemas.microsoft.com/office/drawing/2014/main" xmlns="" id="{FCADC0CA-A45A-4E50-8351-97B742B3A94D}"/>
               </a:ext>
             </a:extLst>
           </p:cNvPr>
@@ -2113,6 +2129,7 @@
           <a:p>
             <a:fld id="{C61FFC8E-835A-40E7-98E3-BD7F55FCB505}" type="datetimeFigureOut">
               <a:rPr lang="en-IN" smtClean="0"/>
+              <a:pPr/>
               <a:t>06-02-2020</a:t>
             </a:fld>
             <a:endParaRPr lang="en-IN"/>
@@ -2124,7 +2141,7 @@
           <p:cNvPr id="3" name="Footer Placeholder 2">
             <a:extLst>
               <a:ext uri="{FF2B5EF4-FFF2-40B4-BE49-F238E27FC236}">
-                <a16:creationId xmlns:a16="http://schemas.microsoft.com/office/drawing/2014/main" id="{9BAD2D39-41FF-445E-8562-870A444F0E34}"/>
+                <a16:creationId xmlns:a16="http://schemas.microsoft.com/office/drawing/2014/main" xmlns="" id="{9BAD2D39-41FF-445E-8562-870A444F0E34}"/>
               </a:ext>
             </a:extLst>
           </p:cNvPr>
@@ -2149,7 +2166,7 @@
           <p:cNvPr id="4" name="Slide Number Placeholder 3">
             <a:extLst>
               <a:ext uri="{FF2B5EF4-FFF2-40B4-BE49-F238E27FC236}">
-                <a16:creationId xmlns:a16="http://schemas.microsoft.com/office/drawing/2014/main" id="{9486B91E-5F9B-4261-962E-1E02A5F931FB}"/>
+                <a16:creationId xmlns:a16="http://schemas.microsoft.com/office/drawing/2014/main" xmlns="" id="{9486B91E-5F9B-4261-962E-1E02A5F931FB}"/>
               </a:ext>
             </a:extLst>
           </p:cNvPr>
@@ -2167,6 +2184,7 @@
           <a:p>
             <a:fld id="{4A249635-2109-428E-9AE9-8936D02A23C4}" type="slidenum">
               <a:rPr lang="en-IN" smtClean="0"/>
+              <a:pPr/>
               <a:t>‹#›</a:t>
             </a:fld>
             <a:endParaRPr lang="en-IN"/>
@@ -2176,7 +2194,7 @@
     </p:spTree>
     <p:extLst>
       <p:ext uri="{BB962C8B-B14F-4D97-AF65-F5344CB8AC3E}">
-        <p14:creationId xmlns:p14="http://schemas.microsoft.com/office/powerpoint/2010/main" val="510226540"/>
+        <p14:creationId xmlns:p14="http://schemas.microsoft.com/office/powerpoint/2010/main" xmlns="" val="510226540"/>
       </p:ext>
     </p:extLst>
   </p:cSld>
@@ -2208,7 +2226,7 @@
           <p:cNvPr id="2" name="Title 1">
             <a:extLst>
               <a:ext uri="{FF2B5EF4-FFF2-40B4-BE49-F238E27FC236}">
-                <a16:creationId xmlns:a16="http://schemas.microsoft.com/office/drawing/2014/main" id="{D211FBA2-E954-473E-9D30-1B7B51F2C64F}"/>
+                <a16:creationId xmlns:a16="http://schemas.microsoft.com/office/drawing/2014/main" xmlns="" id="{D211FBA2-E954-473E-9D30-1B7B51F2C64F}"/>
               </a:ext>
             </a:extLst>
           </p:cNvPr>
@@ -2246,7 +2264,7 @@
           <p:cNvPr id="3" name="Content Placeholder 2">
             <a:extLst>
               <a:ext uri="{FF2B5EF4-FFF2-40B4-BE49-F238E27FC236}">
-                <a16:creationId xmlns:a16="http://schemas.microsoft.com/office/drawing/2014/main" id="{8C2BC2E3-6C9A-4B5A-A37A-B89D547DF8E2}"/>
+                <a16:creationId xmlns:a16="http://schemas.microsoft.com/office/drawing/2014/main" xmlns="" id="{8C2BC2E3-6C9A-4B5A-A37A-B89D547DF8E2}"/>
               </a:ext>
             </a:extLst>
           </p:cNvPr>
@@ -2337,7 +2355,7 @@
           <p:cNvPr id="4" name="Text Placeholder 3">
             <a:extLst>
               <a:ext uri="{FF2B5EF4-FFF2-40B4-BE49-F238E27FC236}">
-                <a16:creationId xmlns:a16="http://schemas.microsoft.com/office/drawing/2014/main" id="{48F0ABF2-5022-467A-ABDA-62DC0D9FD8A9}"/>
+                <a16:creationId xmlns:a16="http://schemas.microsoft.com/office/drawing/2014/main" xmlns="" id="{48F0ABF2-5022-467A-ABDA-62DC0D9FD8A9}"/>
               </a:ext>
             </a:extLst>
           </p:cNvPr>
@@ -2408,7 +2426,7 @@
           <p:cNvPr id="5" name="Date Placeholder 4">
             <a:extLst>
               <a:ext uri="{FF2B5EF4-FFF2-40B4-BE49-F238E27FC236}">
-                <a16:creationId xmlns:a16="http://schemas.microsoft.com/office/drawing/2014/main" id="{817C8633-549E-4935-B23E-9334D0C03C1F}"/>
+                <a16:creationId xmlns:a16="http://schemas.microsoft.com/office/drawing/2014/main" xmlns="" id="{817C8633-549E-4935-B23E-9334D0C03C1F}"/>
               </a:ext>
             </a:extLst>
           </p:cNvPr>
@@ -2426,6 +2444,7 @@
           <a:p>
             <a:fld id="{C61FFC8E-835A-40E7-98E3-BD7F55FCB505}" type="datetimeFigureOut">
               <a:rPr lang="en-IN" smtClean="0"/>
+              <a:pPr/>
               <a:t>06-02-2020</a:t>
             </a:fld>
             <a:endParaRPr lang="en-IN"/>
@@ -2437,7 +2456,7 @@
           <p:cNvPr id="6" name="Footer Placeholder 5">
             <a:extLst>
               <a:ext uri="{FF2B5EF4-FFF2-40B4-BE49-F238E27FC236}">
-                <a16:creationId xmlns:a16="http://schemas.microsoft.com/office/drawing/2014/main" id="{6D415970-3EFF-4C2A-B89C-B69A7B45BC5D}"/>
+                <a16:creationId xmlns:a16="http://schemas.microsoft.com/office/drawing/2014/main" xmlns="" id="{6D415970-3EFF-4C2A-B89C-B69A7B45BC5D}"/>
               </a:ext>
             </a:extLst>
           </p:cNvPr>
@@ -2462,7 +2481,7 @@
           <p:cNvPr id="7" name="Slide Number Placeholder 6">
             <a:extLst>
               <a:ext uri="{FF2B5EF4-FFF2-40B4-BE49-F238E27FC236}">
-                <a16:creationId xmlns:a16="http://schemas.microsoft.com/office/drawing/2014/main" id="{D62FE6E9-CF03-4638-9DDE-BF6956B215E2}"/>
+                <a16:creationId xmlns:a16="http://schemas.microsoft.com/office/drawing/2014/main" xmlns="" id="{D62FE6E9-CF03-4638-9DDE-BF6956B215E2}"/>
               </a:ext>
             </a:extLst>
           </p:cNvPr>
@@ -2480,6 +2499,7 @@
           <a:p>
             <a:fld id="{4A249635-2109-428E-9AE9-8936D02A23C4}" type="slidenum">
               <a:rPr lang="en-IN" smtClean="0"/>
+              <a:pPr/>
               <a:t>‹#›</a:t>
             </a:fld>
             <a:endParaRPr lang="en-IN"/>
@@ -2489,7 +2509,7 @@
     </p:spTree>
     <p:extLst>
       <p:ext uri="{BB962C8B-B14F-4D97-AF65-F5344CB8AC3E}">
-        <p14:creationId xmlns:p14="http://schemas.microsoft.com/office/powerpoint/2010/main" val="357536130"/>
+        <p14:creationId xmlns:p14="http://schemas.microsoft.com/office/powerpoint/2010/main" xmlns="" val="357536130"/>
       </p:ext>
     </p:extLst>
   </p:cSld>
@@ -2521,7 +2541,7 @@
           <p:cNvPr id="2" name="Title 1">
             <a:extLst>
               <a:ext uri="{FF2B5EF4-FFF2-40B4-BE49-F238E27FC236}">
-                <a16:creationId xmlns:a16="http://schemas.microsoft.com/office/drawing/2014/main" id="{ED207173-60A0-4E8E-9A44-3C65C64F60A4}"/>
+                <a16:creationId xmlns:a16="http://schemas.microsoft.com/office/drawing/2014/main" xmlns="" id="{ED207173-60A0-4E8E-9A44-3C65C64F60A4}"/>
               </a:ext>
             </a:extLst>
           </p:cNvPr>
@@ -2559,7 +2579,7 @@
           <p:cNvPr id="3" name="Picture Placeholder 2">
             <a:extLst>
               <a:ext uri="{FF2B5EF4-FFF2-40B4-BE49-F238E27FC236}">
-                <a16:creationId xmlns:a16="http://schemas.microsoft.com/office/drawing/2014/main" id="{D3458DBF-6C38-4413-ABCA-24C28E1D229A}"/>
+                <a16:creationId xmlns:a16="http://schemas.microsoft.com/office/drawing/2014/main" xmlns="" id="{D3458DBF-6C38-4413-ABCA-24C28E1D229A}"/>
               </a:ext>
             </a:extLst>
           </p:cNvPr>
@@ -2626,7 +2646,7 @@
           <p:cNvPr id="4" name="Text Placeholder 3">
             <a:extLst>
               <a:ext uri="{FF2B5EF4-FFF2-40B4-BE49-F238E27FC236}">
-                <a16:creationId xmlns:a16="http://schemas.microsoft.com/office/drawing/2014/main" id="{51BC29B9-7053-4B5E-A2E7-FEB4C532F5A7}"/>
+                <a16:creationId xmlns:a16="http://schemas.microsoft.com/office/drawing/2014/main" xmlns="" id="{51BC29B9-7053-4B5E-A2E7-FEB4C532F5A7}"/>
               </a:ext>
             </a:extLst>
           </p:cNvPr>
@@ -2697,7 +2717,7 @@
           <p:cNvPr id="5" name="Date Placeholder 4">
             <a:extLst>
               <a:ext uri="{FF2B5EF4-FFF2-40B4-BE49-F238E27FC236}">
-                <a16:creationId xmlns:a16="http://schemas.microsoft.com/office/drawing/2014/main" id="{71A0486A-B04A-4937-90E0-3B38654B7B9F}"/>
+                <a16:creationId xmlns:a16="http://schemas.microsoft.com/office/drawing/2014/main" xmlns="" id="{71A0486A-B04A-4937-90E0-3B38654B7B9F}"/>
               </a:ext>
             </a:extLst>
           </p:cNvPr>
@@ -2715,6 +2735,7 @@
           <a:p>
             <a:fld id="{C61FFC8E-835A-40E7-98E3-BD7F55FCB505}" type="datetimeFigureOut">
               <a:rPr lang="en-IN" smtClean="0"/>
+              <a:pPr/>
               <a:t>06-02-2020</a:t>
             </a:fld>
             <a:endParaRPr lang="en-IN"/>
@@ -2726,7 +2747,7 @@
           <p:cNvPr id="6" name="Footer Placeholder 5">
             <a:extLst>
               <a:ext uri="{FF2B5EF4-FFF2-40B4-BE49-F238E27FC236}">
-                <a16:creationId xmlns:a16="http://schemas.microsoft.com/office/drawing/2014/main" id="{0CB42C70-1098-487F-BD52-AFEA0F437DD0}"/>
+                <a16:creationId xmlns:a16="http://schemas.microsoft.com/office/drawing/2014/main" xmlns="" id="{0CB42C70-1098-487F-BD52-AFEA0F437DD0}"/>
               </a:ext>
             </a:extLst>
           </p:cNvPr>
@@ -2751,7 +2772,7 @@
           <p:cNvPr id="7" name="Slide Number Placeholder 6">
             <a:extLst>
               <a:ext uri="{FF2B5EF4-FFF2-40B4-BE49-F238E27FC236}">
-                <a16:creationId xmlns:a16="http://schemas.microsoft.com/office/drawing/2014/main" id="{698CDF86-0F8A-43A7-947B-2C9C62CE4B1D}"/>
+                <a16:creationId xmlns:a16="http://schemas.microsoft.com/office/drawing/2014/main" xmlns="" id="{698CDF86-0F8A-43A7-947B-2C9C62CE4B1D}"/>
               </a:ext>
             </a:extLst>
           </p:cNvPr>
@@ -2769,6 +2790,7 @@
           <a:p>
             <a:fld id="{4A249635-2109-428E-9AE9-8936D02A23C4}" type="slidenum">
               <a:rPr lang="en-IN" smtClean="0"/>
+              <a:pPr/>
               <a:t>‹#›</a:t>
             </a:fld>
             <a:endParaRPr lang="en-IN"/>
@@ -2778,7 +2800,7 @@
     </p:spTree>
     <p:extLst>
       <p:ext uri="{BB962C8B-B14F-4D97-AF65-F5344CB8AC3E}">
-        <p14:creationId xmlns:p14="http://schemas.microsoft.com/office/powerpoint/2010/main" val="2257180526"/>
+        <p14:creationId xmlns:p14="http://schemas.microsoft.com/office/powerpoint/2010/main" xmlns="" val="2257180526"/>
       </p:ext>
     </p:extLst>
   </p:cSld>
@@ -2815,7 +2837,7 @@
           <p:cNvPr id="2" name="Title Placeholder 1">
             <a:extLst>
               <a:ext uri="{FF2B5EF4-FFF2-40B4-BE49-F238E27FC236}">
-                <a16:creationId xmlns:a16="http://schemas.microsoft.com/office/drawing/2014/main" id="{0C22F82A-E7AA-421D-ABED-31F28E3E3A7C}"/>
+                <a16:creationId xmlns:a16="http://schemas.microsoft.com/office/drawing/2014/main" xmlns="" id="{0C22F82A-E7AA-421D-ABED-31F28E3E3A7C}"/>
               </a:ext>
             </a:extLst>
           </p:cNvPr>
@@ -2854,7 +2876,7 @@
           <p:cNvPr id="3" name="Text Placeholder 2">
             <a:extLst>
               <a:ext uri="{FF2B5EF4-FFF2-40B4-BE49-F238E27FC236}">
-                <a16:creationId xmlns:a16="http://schemas.microsoft.com/office/drawing/2014/main" id="{F5253496-D3FF-4F25-A25A-7FB8511A6C39}"/>
+                <a16:creationId xmlns:a16="http://schemas.microsoft.com/office/drawing/2014/main" xmlns="" id="{F5253496-D3FF-4F25-A25A-7FB8511A6C39}"/>
               </a:ext>
             </a:extLst>
           </p:cNvPr>
@@ -2922,7 +2944,7 @@
           <p:cNvPr id="4" name="Date Placeholder 3">
             <a:extLst>
               <a:ext uri="{FF2B5EF4-FFF2-40B4-BE49-F238E27FC236}">
-                <a16:creationId xmlns:a16="http://schemas.microsoft.com/office/drawing/2014/main" id="{E9A1CE0E-E719-49B9-BF6F-9F927C6FB5D3}"/>
+                <a16:creationId xmlns:a16="http://schemas.microsoft.com/office/drawing/2014/main" xmlns="" id="{E9A1CE0E-E719-49B9-BF6F-9F927C6FB5D3}"/>
               </a:ext>
             </a:extLst>
           </p:cNvPr>
@@ -2958,6 +2980,7 @@
           <a:p>
             <a:fld id="{C61FFC8E-835A-40E7-98E3-BD7F55FCB505}" type="datetimeFigureOut">
               <a:rPr lang="en-IN" smtClean="0"/>
+              <a:pPr/>
               <a:t>06-02-2020</a:t>
             </a:fld>
             <a:endParaRPr lang="en-IN"/>
@@ -2969,7 +2992,7 @@
           <p:cNvPr id="5" name="Footer Placeholder 4">
             <a:extLst>
               <a:ext uri="{FF2B5EF4-FFF2-40B4-BE49-F238E27FC236}">
-                <a16:creationId xmlns:a16="http://schemas.microsoft.com/office/drawing/2014/main" id="{5D3013E2-5C04-4F80-BBC7-D2ADF035EB7C}"/>
+                <a16:creationId xmlns:a16="http://schemas.microsoft.com/office/drawing/2014/main" xmlns="" id="{5D3013E2-5C04-4F80-BBC7-D2ADF035EB7C}"/>
               </a:ext>
             </a:extLst>
           </p:cNvPr>
@@ -3012,7 +3035,7 @@
           <p:cNvPr id="6" name="Slide Number Placeholder 5">
             <a:extLst>
               <a:ext uri="{FF2B5EF4-FFF2-40B4-BE49-F238E27FC236}">
-                <a16:creationId xmlns:a16="http://schemas.microsoft.com/office/drawing/2014/main" id="{98CC03D2-085F-4CD7-89A8-E54DB5C1D6B3}"/>
+                <a16:creationId xmlns:a16="http://schemas.microsoft.com/office/drawing/2014/main" xmlns="" id="{98CC03D2-085F-4CD7-89A8-E54DB5C1D6B3}"/>
               </a:ext>
             </a:extLst>
           </p:cNvPr>
@@ -3048,6 +3071,7 @@
           <a:p>
             <a:fld id="{4A249635-2109-428E-9AE9-8936D02A23C4}" type="slidenum">
               <a:rPr lang="en-IN" smtClean="0"/>
+              <a:pPr/>
               <a:t>‹#›</a:t>
             </a:fld>
             <a:endParaRPr lang="en-IN"/>
@@ -3057,7 +3081,7 @@
     </p:spTree>
     <p:extLst>
       <p:ext uri="{BB962C8B-B14F-4D97-AF65-F5344CB8AC3E}">
-        <p14:creationId xmlns:p14="http://schemas.microsoft.com/office/powerpoint/2010/main" val="1646143958"/>
+        <p14:creationId xmlns:p14="http://schemas.microsoft.com/office/powerpoint/2010/main" xmlns="" val="1646143958"/>
       </p:ext>
     </p:extLst>
   </p:cSld>
@@ -3380,7 +3404,7 @@
           <p:cNvPr id="2" name="Title 1">
             <a:extLst>
               <a:ext uri="{FF2B5EF4-FFF2-40B4-BE49-F238E27FC236}">
-                <a16:creationId xmlns:a16="http://schemas.microsoft.com/office/drawing/2014/main" id="{06DB7E85-E819-4F02-9F8F-212EE140EE30}"/>
+                <a16:creationId xmlns:a16="http://schemas.microsoft.com/office/drawing/2014/main" xmlns="" id="{06DB7E85-E819-4F02-9F8F-212EE140EE30}"/>
               </a:ext>
             </a:extLst>
           </p:cNvPr>
@@ -3413,7 +3437,7 @@
           <p:cNvPr id="3" name="Subtitle 2">
             <a:extLst>
               <a:ext uri="{FF2B5EF4-FFF2-40B4-BE49-F238E27FC236}">
-                <a16:creationId xmlns:a16="http://schemas.microsoft.com/office/drawing/2014/main" id="{57FFEC66-0596-4BD2-AB20-1CD299B108D8}"/>
+                <a16:creationId xmlns:a16="http://schemas.microsoft.com/office/drawing/2014/main" xmlns="" id="{57FFEC66-0596-4BD2-AB20-1CD299B108D8}"/>
               </a:ext>
             </a:extLst>
           </p:cNvPr>
@@ -3426,33 +3450,56 @@
         </p:nvSpPr>
         <p:spPr>
           <a:xfrm>
-            <a:off x="1524000" y="2391508"/>
-            <a:ext cx="9144000" cy="1600200"/>
+            <a:off x="1524000" y="2816352"/>
+            <a:ext cx="9144000" cy="3264408"/>
           </a:xfrm>
         </p:spPr>
         <p:txBody>
           <a:bodyPr/>
           <a:lstStyle/>
           <a:p>
+            <a:pPr lvl="1" algn="l">
+              <a:buFont typeface="Wingdings" pitchFamily="2" charset="2"/>
+              <a:buChar char="Ø"/>
+            </a:pPr>
+            <a:r>
+              <a:rPr lang="en-US" dirty="0" smtClean="0"/>
+              <a:t>We are a bunch of CS and IT undergraduate students who wish to ensure everyone in the world live health and well.</a:t>
+            </a:r>
+          </a:p>
+          <a:p>
+            <a:pPr lvl="1" algn="l"/>
+            <a:endParaRPr lang="en-US" dirty="0" smtClean="0"/>
+          </a:p>
+          <a:p>
+            <a:pPr lvl="1" algn="l"/>
+            <a:endParaRPr lang="en-US" dirty="0" smtClean="0"/>
+          </a:p>
+          <a:p>
+            <a:pPr lvl="1" algn="l">
+              <a:buFont typeface="Wingdings" pitchFamily="2" charset="2"/>
+              <a:buChar char="Ø"/>
+            </a:pPr>
+            <a:r>
+              <a:rPr lang="en-US" dirty="0" smtClean="0"/>
+              <a:t>Our Missio</a:t>
+            </a:r>
+            <a:r>
+              <a:rPr lang="en-US" dirty="0" smtClean="0"/>
+              <a:t>n is to </a:t>
+            </a:r>
+            <a:r>
+              <a:rPr lang="en-US" smtClean="0"/>
+              <a:t>eradicate potential </a:t>
+            </a:r>
+            <a:r>
+              <a:rPr lang="en-US" dirty="0" smtClean="0"/>
+              <a:t>life threat diseases and work for a healthier world</a:t>
+            </a:r>
+            <a:endParaRPr lang="en-US" b="1" dirty="0"/>
+          </a:p>
+          <a:p>
             <a:pPr algn="l"/>
-            <a:r>
-              <a:rPr lang="en-US" b="1" dirty="0"/>
-              <a:t>● Background : </a:t>
-            </a:r>
-          </a:p>
-          <a:p>
-            <a:pPr algn="l"/>
-            <a:r>
-              <a:rPr lang="en-US" b="1" dirty="0"/>
-              <a:t>● Record and vision to succeed</a:t>
-            </a:r>
-          </a:p>
-          <a:p>
-            <a:pPr algn="l"/>
-            <a:r>
-              <a:rPr lang="en-US" b="1" dirty="0"/>
-              <a:t>● Vision/Mission</a:t>
-            </a:r>
             <a:endParaRPr lang="en-IN" b="1" dirty="0"/>
           </a:p>
         </p:txBody>
@@ -3460,7 +3507,7 @@
     </p:spTree>
     <p:extLst>
       <p:ext uri="{BB962C8B-B14F-4D97-AF65-F5344CB8AC3E}">
-        <p14:creationId xmlns:p14="http://schemas.microsoft.com/office/powerpoint/2010/main" val="4045808085"/>
+        <p14:creationId xmlns:p14="http://schemas.microsoft.com/office/powerpoint/2010/main" xmlns="" val="4045808085"/>
       </p:ext>
     </p:extLst>
   </p:cSld>
@@ -3492,7 +3539,7 @@
           <p:cNvPr id="2" name="Title 1">
             <a:extLst>
               <a:ext uri="{FF2B5EF4-FFF2-40B4-BE49-F238E27FC236}">
-                <a16:creationId xmlns:a16="http://schemas.microsoft.com/office/drawing/2014/main" id="{187A2AC9-C235-45B6-AA93-BAC040FFF1E7}"/>
+                <a16:creationId xmlns:a16="http://schemas.microsoft.com/office/drawing/2014/main" xmlns="" id="{187A2AC9-C235-45B6-AA93-BAC040FFF1E7}"/>
               </a:ext>
             </a:extLst>
           </p:cNvPr>
@@ -3520,7 +3567,7 @@
           <p:cNvPr id="3" name="Content Placeholder 2">
             <a:extLst>
               <a:ext uri="{FF2B5EF4-FFF2-40B4-BE49-F238E27FC236}">
-                <a16:creationId xmlns:a16="http://schemas.microsoft.com/office/drawing/2014/main" id="{471E823E-E171-42F7-89B7-A2FF932DDEB0}"/>
+                <a16:creationId xmlns:a16="http://schemas.microsoft.com/office/drawing/2014/main" xmlns="" id="{471E823E-E171-42F7-89B7-A2FF932DDEB0}"/>
               </a:ext>
             </a:extLst>
           </p:cNvPr>
@@ -3588,7 +3635,7 @@
     </p:spTree>
     <p:extLst>
       <p:ext uri="{BB962C8B-B14F-4D97-AF65-F5344CB8AC3E}">
-        <p14:creationId xmlns:p14="http://schemas.microsoft.com/office/powerpoint/2010/main" val="3694523226"/>
+        <p14:creationId xmlns:p14="http://schemas.microsoft.com/office/powerpoint/2010/main" xmlns="" val="3694523226"/>
       </p:ext>
     </p:extLst>
   </p:cSld>
@@ -3620,7 +3667,7 @@
           <p:cNvPr id="2" name="Title 1">
             <a:extLst>
               <a:ext uri="{FF2B5EF4-FFF2-40B4-BE49-F238E27FC236}">
-                <a16:creationId xmlns:a16="http://schemas.microsoft.com/office/drawing/2014/main" id="{C23B81DE-2735-4C96-9961-5D6C3A809404}"/>
+                <a16:creationId xmlns:a16="http://schemas.microsoft.com/office/drawing/2014/main" xmlns="" id="{C23B81DE-2735-4C96-9961-5D6C3A809404}"/>
               </a:ext>
             </a:extLst>
           </p:cNvPr>
@@ -3648,7 +3695,7 @@
           <p:cNvPr id="3" name="Content Placeholder 2">
             <a:extLst>
               <a:ext uri="{FF2B5EF4-FFF2-40B4-BE49-F238E27FC236}">
-                <a16:creationId xmlns:a16="http://schemas.microsoft.com/office/drawing/2014/main" id="{FF2B6E5D-4E9E-43CF-929D-CA4684A09FEA}"/>
+                <a16:creationId xmlns:a16="http://schemas.microsoft.com/office/drawing/2014/main" xmlns="" id="{FF2B6E5D-4E9E-43CF-929D-CA4684A09FEA}"/>
               </a:ext>
             </a:extLst>
           </p:cNvPr>
@@ -3699,7 +3746,7 @@
     </p:spTree>
     <p:extLst>
       <p:ext uri="{BB962C8B-B14F-4D97-AF65-F5344CB8AC3E}">
-        <p14:creationId xmlns:p14="http://schemas.microsoft.com/office/powerpoint/2010/main" val="1119951084"/>
+        <p14:creationId xmlns:p14="http://schemas.microsoft.com/office/powerpoint/2010/main" xmlns="" val="1119951084"/>
       </p:ext>
     </p:extLst>
   </p:cSld>
@@ -3731,7 +3778,7 @@
           <p:cNvPr id="2" name="Title 1">
             <a:extLst>
               <a:ext uri="{FF2B5EF4-FFF2-40B4-BE49-F238E27FC236}">
-                <a16:creationId xmlns:a16="http://schemas.microsoft.com/office/drawing/2014/main" id="{7634A9EA-75E2-40C5-857F-9F109CE74E81}"/>
+                <a16:creationId xmlns:a16="http://schemas.microsoft.com/office/drawing/2014/main" xmlns="" id="{7634A9EA-75E2-40C5-857F-9F109CE74E81}"/>
               </a:ext>
             </a:extLst>
           </p:cNvPr>
@@ -3759,7 +3806,7 @@
           <p:cNvPr id="3" name="Content Placeholder 2">
             <a:extLst>
               <a:ext uri="{FF2B5EF4-FFF2-40B4-BE49-F238E27FC236}">
-                <a16:creationId xmlns:a16="http://schemas.microsoft.com/office/drawing/2014/main" id="{9C468D9D-3C1E-457C-AA62-1F25B2D9A90C}"/>
+                <a16:creationId xmlns:a16="http://schemas.microsoft.com/office/drawing/2014/main" xmlns="" id="{9C468D9D-3C1E-457C-AA62-1F25B2D9A90C}"/>
               </a:ext>
             </a:extLst>
           </p:cNvPr>
@@ -3838,7 +3885,7 @@
     </p:spTree>
     <p:extLst>
       <p:ext uri="{BB962C8B-B14F-4D97-AF65-F5344CB8AC3E}">
-        <p14:creationId xmlns:p14="http://schemas.microsoft.com/office/powerpoint/2010/main" val="4094880542"/>
+        <p14:creationId xmlns:p14="http://schemas.microsoft.com/office/powerpoint/2010/main" xmlns="" val="4094880542"/>
       </p:ext>
     </p:extLst>
   </p:cSld>
@@ -3870,7 +3917,7 @@
           <p:cNvPr id="2" name="Title 1">
             <a:extLst>
               <a:ext uri="{FF2B5EF4-FFF2-40B4-BE49-F238E27FC236}">
-                <a16:creationId xmlns:a16="http://schemas.microsoft.com/office/drawing/2014/main" id="{D195BD07-47DA-4BC0-944D-6CC93F232961}"/>
+                <a16:creationId xmlns:a16="http://schemas.microsoft.com/office/drawing/2014/main" xmlns="" id="{D195BD07-47DA-4BC0-944D-6CC93F232961}"/>
               </a:ext>
             </a:extLst>
           </p:cNvPr>
@@ -3898,7 +3945,7 @@
           <p:cNvPr id="3" name="Content Placeholder 2">
             <a:extLst>
               <a:ext uri="{FF2B5EF4-FFF2-40B4-BE49-F238E27FC236}">
-                <a16:creationId xmlns:a16="http://schemas.microsoft.com/office/drawing/2014/main" id="{0CE6A7E9-C404-4C61-8A49-CA128B3CB86E}"/>
+                <a16:creationId xmlns:a16="http://schemas.microsoft.com/office/drawing/2014/main" xmlns="" id="{0CE6A7E9-C404-4C61-8A49-CA128B3CB86E}"/>
               </a:ext>
             </a:extLst>
           </p:cNvPr>
@@ -3978,7 +4025,7 @@
     </p:spTree>
     <p:extLst>
       <p:ext uri="{BB962C8B-B14F-4D97-AF65-F5344CB8AC3E}">
-        <p14:creationId xmlns:p14="http://schemas.microsoft.com/office/powerpoint/2010/main" val="2417072869"/>
+        <p14:creationId xmlns:p14="http://schemas.microsoft.com/office/powerpoint/2010/main" xmlns="" val="2417072869"/>
       </p:ext>
     </p:extLst>
   </p:cSld>
@@ -4010,7 +4057,7 @@
           <p:cNvPr id="2" name="Title 1">
             <a:extLst>
               <a:ext uri="{FF2B5EF4-FFF2-40B4-BE49-F238E27FC236}">
-                <a16:creationId xmlns:a16="http://schemas.microsoft.com/office/drawing/2014/main" id="{29409587-8B55-4831-992B-1584AE6C8D29}"/>
+                <a16:creationId xmlns:a16="http://schemas.microsoft.com/office/drawing/2014/main" xmlns="" id="{29409587-8B55-4831-992B-1584AE6C8D29}"/>
               </a:ext>
             </a:extLst>
           </p:cNvPr>
@@ -4038,7 +4085,7 @@
           <p:cNvPr id="3" name="Content Placeholder 2">
             <a:extLst>
               <a:ext uri="{FF2B5EF4-FFF2-40B4-BE49-F238E27FC236}">
-                <a16:creationId xmlns:a16="http://schemas.microsoft.com/office/drawing/2014/main" id="{A7D93815-07C9-4C10-B7A7-068B6A9A90A9}"/>
+                <a16:creationId xmlns:a16="http://schemas.microsoft.com/office/drawing/2014/main" xmlns="" id="{A7D93815-07C9-4C10-B7A7-068B6A9A90A9}"/>
               </a:ext>
             </a:extLst>
           </p:cNvPr>
@@ -4108,7 +4155,7 @@
     </p:spTree>
     <p:extLst>
       <p:ext uri="{BB962C8B-B14F-4D97-AF65-F5344CB8AC3E}">
-        <p14:creationId xmlns:p14="http://schemas.microsoft.com/office/powerpoint/2010/main" val="4246933511"/>
+        <p14:creationId xmlns:p14="http://schemas.microsoft.com/office/powerpoint/2010/main" xmlns="" val="4246933511"/>
       </p:ext>
     </p:extLst>
   </p:cSld>
@@ -4140,7 +4187,7 @@
           <p:cNvPr id="2" name="Title 1">
             <a:extLst>
               <a:ext uri="{FF2B5EF4-FFF2-40B4-BE49-F238E27FC236}">
-                <a16:creationId xmlns:a16="http://schemas.microsoft.com/office/drawing/2014/main" id="{4C8385E0-C31B-4802-A528-865FB0486F95}"/>
+                <a16:creationId xmlns:a16="http://schemas.microsoft.com/office/drawing/2014/main" xmlns="" id="{4C8385E0-C31B-4802-A528-865FB0486F95}"/>
               </a:ext>
             </a:extLst>
           </p:cNvPr>
@@ -4169,7 +4216,7 @@
           <p:cNvPr id="3" name="Content Placeholder 2">
             <a:extLst>
               <a:ext uri="{FF2B5EF4-FFF2-40B4-BE49-F238E27FC236}">
-                <a16:creationId xmlns:a16="http://schemas.microsoft.com/office/drawing/2014/main" id="{9D517B42-14FC-4F53-9166-BFA646E063B1}"/>
+                <a16:creationId xmlns:a16="http://schemas.microsoft.com/office/drawing/2014/main" xmlns="" id="{9D517B42-14FC-4F53-9166-BFA646E063B1}"/>
               </a:ext>
             </a:extLst>
           </p:cNvPr>
@@ -4236,7 +4283,7 @@
     </p:spTree>
     <p:extLst>
       <p:ext uri="{BB962C8B-B14F-4D97-AF65-F5344CB8AC3E}">
-        <p14:creationId xmlns:p14="http://schemas.microsoft.com/office/powerpoint/2010/main" val="2924473604"/>
+        <p14:creationId xmlns:p14="http://schemas.microsoft.com/office/powerpoint/2010/main" xmlns="" val="2924473604"/>
       </p:ext>
     </p:extLst>
   </p:cSld>
@@ -4268,7 +4315,7 @@
           <p:cNvPr id="2" name="Title 1">
             <a:extLst>
               <a:ext uri="{FF2B5EF4-FFF2-40B4-BE49-F238E27FC236}">
-                <a16:creationId xmlns:a16="http://schemas.microsoft.com/office/drawing/2014/main" id="{0832BDA3-0339-4461-979F-1D91D0A364CD}"/>
+                <a16:creationId xmlns:a16="http://schemas.microsoft.com/office/drawing/2014/main" xmlns="" id="{0832BDA3-0339-4461-979F-1D91D0A364CD}"/>
               </a:ext>
             </a:extLst>
           </p:cNvPr>
@@ -4297,7 +4344,7 @@
           <p:cNvPr id="3" name="Content Placeholder 2">
             <a:extLst>
               <a:ext uri="{FF2B5EF4-FFF2-40B4-BE49-F238E27FC236}">
-                <a16:creationId xmlns:a16="http://schemas.microsoft.com/office/drawing/2014/main" id="{F4109D3C-D72D-4B48-ADC2-183B2D78A404}"/>
+                <a16:creationId xmlns:a16="http://schemas.microsoft.com/office/drawing/2014/main" xmlns="" id="{F4109D3C-D72D-4B48-ADC2-183B2D78A404}"/>
               </a:ext>
             </a:extLst>
           </p:cNvPr>
@@ -4338,7 +4385,7 @@
     </p:spTree>
     <p:extLst>
       <p:ext uri="{BB962C8B-B14F-4D97-AF65-F5344CB8AC3E}">
-        <p14:creationId xmlns:p14="http://schemas.microsoft.com/office/powerpoint/2010/main" val="314236013"/>
+        <p14:creationId xmlns:p14="http://schemas.microsoft.com/office/powerpoint/2010/main" xmlns="" val="314236013"/>
       </p:ext>
     </p:extLst>
   </p:cSld>
@@ -4370,7 +4417,7 @@
           <p:cNvPr id="2" name="Title 1">
             <a:extLst>
               <a:ext uri="{FF2B5EF4-FFF2-40B4-BE49-F238E27FC236}">
-                <a16:creationId xmlns:a16="http://schemas.microsoft.com/office/drawing/2014/main" id="{347A86A0-B424-4C0A-A10E-229F70F59D25}"/>
+                <a16:creationId xmlns:a16="http://schemas.microsoft.com/office/drawing/2014/main" xmlns="" id="{347A86A0-B424-4C0A-A10E-229F70F59D25}"/>
               </a:ext>
             </a:extLst>
           </p:cNvPr>
@@ -4399,7 +4446,7 @@
           <p:cNvPr id="3" name="Content Placeholder 2">
             <a:extLst>
               <a:ext uri="{FF2B5EF4-FFF2-40B4-BE49-F238E27FC236}">
-                <a16:creationId xmlns:a16="http://schemas.microsoft.com/office/drawing/2014/main" id="{A74DD258-8008-4B59-A0C1-35F6F6C4F7A0}"/>
+                <a16:creationId xmlns:a16="http://schemas.microsoft.com/office/drawing/2014/main" xmlns="" id="{A74DD258-8008-4B59-A0C1-35F6F6C4F7A0}"/>
               </a:ext>
             </a:extLst>
           </p:cNvPr>
@@ -4439,7 +4486,7 @@
     </p:spTree>
     <p:extLst>
       <p:ext uri="{BB962C8B-B14F-4D97-AF65-F5344CB8AC3E}">
-        <p14:creationId xmlns:p14="http://schemas.microsoft.com/office/powerpoint/2010/main" val="4045823936"/>
+        <p14:creationId xmlns:p14="http://schemas.microsoft.com/office/powerpoint/2010/main" xmlns="" val="4045823936"/>
       </p:ext>
     </p:extLst>
   </p:cSld>
@@ -4471,7 +4518,7 @@
           <p:cNvPr id="2" name="Title 1">
             <a:extLst>
               <a:ext uri="{FF2B5EF4-FFF2-40B4-BE49-F238E27FC236}">
-                <a16:creationId xmlns:a16="http://schemas.microsoft.com/office/drawing/2014/main" id="{31876408-5725-444F-85C7-B7482344DE84}"/>
+                <a16:creationId xmlns:a16="http://schemas.microsoft.com/office/drawing/2014/main" xmlns="" id="{31876408-5725-444F-85C7-B7482344DE84}"/>
               </a:ext>
             </a:extLst>
           </p:cNvPr>
@@ -4499,7 +4546,7 @@
           <p:cNvPr id="3" name="Content Placeholder 2">
             <a:extLst>
               <a:ext uri="{FF2B5EF4-FFF2-40B4-BE49-F238E27FC236}">
-                <a16:creationId xmlns:a16="http://schemas.microsoft.com/office/drawing/2014/main" id="{0CDD5ED5-7E99-4805-BEAF-319E6F094C2B}"/>
+                <a16:creationId xmlns:a16="http://schemas.microsoft.com/office/drawing/2014/main" xmlns="" id="{0CDD5ED5-7E99-4805-BEAF-319E6F094C2B}"/>
               </a:ext>
             </a:extLst>
           </p:cNvPr>
@@ -4555,7 +4602,7 @@
     </p:spTree>
     <p:extLst>
       <p:ext uri="{BB962C8B-B14F-4D97-AF65-F5344CB8AC3E}">
-        <p14:creationId xmlns:p14="http://schemas.microsoft.com/office/powerpoint/2010/main" val="3922270948"/>
+        <p14:creationId xmlns:p14="http://schemas.microsoft.com/office/powerpoint/2010/main" xmlns="" val="3922270948"/>
       </p:ext>
     </p:extLst>
   </p:cSld>
@@ -4587,7 +4634,7 @@
           <p:cNvPr id="2" name="Title 1">
             <a:extLst>
               <a:ext uri="{FF2B5EF4-FFF2-40B4-BE49-F238E27FC236}">
-                <a16:creationId xmlns:a16="http://schemas.microsoft.com/office/drawing/2014/main" id="{725F03AB-C02B-4C27-A5A8-046A1EF0294F}"/>
+                <a16:creationId xmlns:a16="http://schemas.microsoft.com/office/drawing/2014/main" xmlns="" id="{725F03AB-C02B-4C27-A5A8-046A1EF0294F}"/>
               </a:ext>
             </a:extLst>
           </p:cNvPr>
@@ -4616,7 +4663,7 @@
           <p:cNvPr id="3" name="Content Placeholder 2">
             <a:extLst>
               <a:ext uri="{FF2B5EF4-FFF2-40B4-BE49-F238E27FC236}">
-                <a16:creationId xmlns:a16="http://schemas.microsoft.com/office/drawing/2014/main" id="{5B8461D8-737F-427D-BDC2-E97BF7DD9DF8}"/>
+                <a16:creationId xmlns:a16="http://schemas.microsoft.com/office/drawing/2014/main" xmlns="" id="{5B8461D8-737F-427D-BDC2-E97BF7DD9DF8}"/>
               </a:ext>
             </a:extLst>
           </p:cNvPr>
@@ -4654,7 +4701,7 @@
     </p:spTree>
     <p:extLst>
       <p:ext uri="{BB962C8B-B14F-4D97-AF65-F5344CB8AC3E}">
-        <p14:creationId xmlns:p14="http://schemas.microsoft.com/office/powerpoint/2010/main" val="412759340"/>
+        <p14:creationId xmlns:p14="http://schemas.microsoft.com/office/powerpoint/2010/main" xmlns="" val="412759340"/>
       </p:ext>
     </p:extLst>
   </p:cSld>
@@ -4686,7 +4733,7 @@
           <p:cNvPr id="2" name="Title 1">
             <a:extLst>
               <a:ext uri="{FF2B5EF4-FFF2-40B4-BE49-F238E27FC236}">
-                <a16:creationId xmlns:a16="http://schemas.microsoft.com/office/drawing/2014/main" id="{7687139F-6A8E-42CE-B32B-EDC28095EA79}"/>
+                <a16:creationId xmlns:a16="http://schemas.microsoft.com/office/drawing/2014/main" xmlns="" id="{7687139F-6A8E-42CE-B32B-EDC28095EA79}"/>
               </a:ext>
             </a:extLst>
           </p:cNvPr>
@@ -4714,7 +4761,7 @@
           <p:cNvPr id="3" name="Content Placeholder 2">
             <a:extLst>
               <a:ext uri="{FF2B5EF4-FFF2-40B4-BE49-F238E27FC236}">
-                <a16:creationId xmlns:a16="http://schemas.microsoft.com/office/drawing/2014/main" id="{137CB3C5-22D6-4F26-915A-8582022D440B}"/>
+                <a16:creationId xmlns:a16="http://schemas.microsoft.com/office/drawing/2014/main" xmlns="" id="{137CB3C5-22D6-4F26-915A-8582022D440B}"/>
               </a:ext>
             </a:extLst>
           </p:cNvPr>
@@ -4758,7 +4805,7 @@
     </p:spTree>
     <p:extLst>
       <p:ext uri="{BB962C8B-B14F-4D97-AF65-F5344CB8AC3E}">
-        <p14:creationId xmlns:p14="http://schemas.microsoft.com/office/powerpoint/2010/main" val="1213087145"/>
+        <p14:creationId xmlns:p14="http://schemas.microsoft.com/office/powerpoint/2010/main" xmlns="" val="1213087145"/>
       </p:ext>
     </p:extLst>
   </p:cSld>
@@ -4811,7 +4858,7 @@
     </a:clrScheme>
     <a:fontScheme name="Office">
       <a:majorFont>
-        <a:latin typeface="Calibri Light" panose="020F0302020204030204"/>
+        <a:latin typeface="Calibri Light"/>
         <a:ea typeface=""/>
         <a:cs typeface=""/>
         <a:font script="Jpan" typeface="游ゴシック Light"/>
@@ -4863,7 +4910,7 @@
         <a:font script="Tfng" typeface="Ebrima"/>
       </a:majorFont>
       <a:minorFont>
-        <a:latin typeface="Calibri" panose="020F0502020204030204"/>
+        <a:latin typeface="Calibri"/>
         <a:ea typeface=""/>
         <a:cs typeface=""/>
         <a:font script="Jpan" typeface="游ゴシック"/>
@@ -5057,7 +5104,7 @@
   <a:extraClrSchemeLst/>
   <a:extLst>
     <a:ext uri="{05A4C25C-085E-4340-85A3-A5531E510DB2}">
-      <thm15:themeFamily xmlns:thm15="http://schemas.microsoft.com/office/thememl/2012/main" name="Office Theme" id="{62F939B6-93AF-4DB8-9C6B-D6C7DFDC589F}" vid="{4A3C46E8-61CC-4603-A589-7422A47A8E4A}"/>
+      <thm15:themeFamily xmlns:thm15="http://schemas.microsoft.com/office/thememl/2012/main" xmlns="" name="Office Theme" id="{62F939B6-93AF-4DB8-9C6B-D6C7DFDC589F}" vid="{4A3C46E8-61CC-4603-A589-7422A47A8E4A}"/>
     </a:ext>
   </a:extLst>
 </a:theme>
